--- a/ASM_CourseProject/lab/week 5/Lab5_English.pptx
+++ b/ASM_CourseProject/lab/week 5/Lab5_English.pptx
@@ -13874,6 +13874,58 @@
           <a:chExt cx="0" cy="0"/>
         </a:xfrm>
       </p:grpSpPr>
+      <p:sp>
+        <p:nvSpPr>
+          <p:cNvPr id="74" name="矩形 73">
+            <a:extLst>
+              <a:ext uri="{FF2B5EF4-FFF2-40B4-BE49-F238E27FC236}">
+                <a16:creationId xmlns:a16="http://schemas.microsoft.com/office/drawing/2014/main" id="{63E9461D-9BEF-4A8F-F011-6FEFBACC620E}"/>
+              </a:ext>
+            </a:extLst>
+          </p:cNvPr>
+          <p:cNvSpPr/>
+          <p:nvPr/>
+        </p:nvSpPr>
+        <p:spPr>
+          <a:xfrm>
+            <a:off x="1841500" y="0"/>
+            <a:ext cx="10193314" cy="6959600"/>
+          </a:xfrm>
+          <a:prstGeom prst="rect">
+            <a:avLst/>
+          </a:prstGeom>
+          <a:solidFill>
+            <a:srgbClr val="1E1E1E"/>
+          </a:solidFill>
+          <a:ln>
+            <a:noFill/>
+          </a:ln>
+        </p:spPr>
+        <p:style>
+          <a:lnRef idx="2">
+            <a:schemeClr val="accent1">
+              <a:shade val="50000"/>
+            </a:schemeClr>
+          </a:lnRef>
+          <a:fillRef idx="1">
+            <a:schemeClr val="accent1"/>
+          </a:fillRef>
+          <a:effectRef idx="0">
+            <a:schemeClr val="accent1"/>
+          </a:effectRef>
+          <a:fontRef idx="minor">
+            <a:schemeClr val="lt1"/>
+          </a:fontRef>
+        </p:style>
+        <p:txBody>
+          <a:bodyPr rtlCol="0" anchor="ctr"/>
+          <a:lstStyle/>
+          <a:p>
+            <a:pPr algn="ctr"/>
+            <a:endParaRPr lang="zh-TW" altLang="en-US"/>
+          </a:p>
+        </p:txBody>
+      </p:sp>
       <p:pic>
         <p:nvPicPr>
           <p:cNvPr id="5" name="圖片 4">
@@ -13896,7 +13948,7 @@
         </p:blipFill>
         <p:spPr>
           <a:xfrm>
-            <a:off x="13427529" y="-1210256"/>
+            <a:off x="7860501" y="-9441181"/>
             <a:ext cx="8869410" cy="8979513"/>
           </a:xfrm>
           <a:prstGeom prst="rect">
@@ -13918,7 +13970,7 @@
         </p:nvGrpSpPr>
         <p:grpSpPr>
           <a:xfrm>
-            <a:off x="-8233526" y="-273820"/>
+            <a:off x="40652" y="7820861"/>
             <a:ext cx="5295736" cy="3200847"/>
             <a:chOff x="4520449" y="1993676"/>
             <a:chExt cx="5295736" cy="3200847"/>
@@ -14185,7 +14237,7 @@
         </p:blipFill>
         <p:spPr>
           <a:xfrm>
-            <a:off x="-2171700" y="-196523"/>
+            <a:off x="1037184" y="-8828586"/>
             <a:ext cx="5773388" cy="7754325"/>
           </a:xfrm>
           <a:prstGeom prst="rect">
@@ -14395,7 +14447,7 @@
         </p:blipFill>
         <p:spPr>
           <a:xfrm>
-            <a:off x="7100790" y="2108354"/>
+            <a:off x="7100790" y="2477651"/>
             <a:ext cx="3984532" cy="371782"/>
           </a:xfrm>
           <a:prstGeom prst="rect">
@@ -14447,7 +14499,7 @@
         </p:nvSpPr>
         <p:spPr>
           <a:xfrm>
-            <a:off x="6977888" y="1688066"/>
+            <a:off x="6977888" y="2120863"/>
             <a:ext cx="1765227" cy="400110"/>
           </a:xfrm>
           <a:prstGeom prst="rect">
@@ -14466,7 +14518,9 @@
               <a:rPr lang="en-US" altLang="zh-TW" sz="2000" b="0" cap="none" spc="0" dirty="0">
                 <a:ln w="0"/>
                 <a:solidFill>
-                  <a:schemeClr val="tx1"/>
+                  <a:schemeClr val="bg1">
+                    <a:lumMod val="85000"/>
+                  </a:schemeClr>
                 </a:solidFill>
                 <a:effectLst>
                   <a:outerShdw blurRad="38100" dist="19050" dir="2700000" algn="tl" rotWithShape="0">
@@ -14481,7 +14535,9 @@
             <a:endParaRPr lang="zh-TW" altLang="en-US" sz="2000" b="0" cap="none" spc="0" dirty="0">
               <a:ln w="0"/>
               <a:solidFill>
-                <a:schemeClr val="tx1"/>
+                <a:schemeClr val="bg1">
+                  <a:lumMod val="85000"/>
+                </a:schemeClr>
               </a:solidFill>
               <a:effectLst>
                 <a:outerShdw blurRad="38100" dist="19050" dir="2700000" algn="tl" rotWithShape="0">
@@ -14508,7 +14564,7 @@
         </p:nvSpPr>
         <p:spPr>
           <a:xfrm>
-            <a:off x="7052428" y="2583769"/>
+            <a:off x="6977888" y="2926607"/>
             <a:ext cx="1616147" cy="400110"/>
           </a:xfrm>
           <a:prstGeom prst="rect">
@@ -14527,7 +14583,9 @@
               <a:rPr lang="en-US" altLang="zh-TW" sz="2000" b="0" cap="none" spc="0" dirty="0">
                 <a:ln w="0"/>
                 <a:solidFill>
-                  <a:schemeClr val="tx1"/>
+                  <a:schemeClr val="bg1">
+                    <a:lumMod val="85000"/>
+                  </a:schemeClr>
                 </a:solidFill>
                 <a:effectLst>
                   <a:outerShdw blurRad="38100" dist="19050" dir="2700000" algn="tl" rotWithShape="0">
@@ -14542,7 +14600,9 @@
             <a:endParaRPr lang="zh-TW" altLang="en-US" sz="2000" b="0" cap="none" spc="0" dirty="0">
               <a:ln w="0"/>
               <a:solidFill>
-                <a:schemeClr val="tx1"/>
+                <a:schemeClr val="bg1">
+                  <a:lumMod val="85000"/>
+                </a:schemeClr>
               </a:solidFill>
               <a:effectLst>
                 <a:outerShdw blurRad="38100" dist="19050" dir="2700000" algn="tl" rotWithShape="0">
@@ -14569,7 +14629,7 @@
         </p:nvSpPr>
         <p:spPr>
           <a:xfrm>
-            <a:off x="7033994" y="3408422"/>
+            <a:off x="6990588" y="3775484"/>
             <a:ext cx="1653018" cy="400110"/>
           </a:xfrm>
           <a:prstGeom prst="rect">
@@ -14588,7 +14648,9 @@
               <a:rPr lang="en-US" altLang="zh-TW" sz="2000" b="0" cap="none" spc="0" dirty="0">
                 <a:ln w="0"/>
                 <a:solidFill>
-                  <a:schemeClr val="tx1"/>
+                  <a:schemeClr val="bg1">
+                    <a:lumMod val="85000"/>
+                  </a:schemeClr>
                 </a:solidFill>
                 <a:effectLst>
                   <a:outerShdw blurRad="38100" dist="19050" dir="2700000" algn="tl" rotWithShape="0">
@@ -14603,7 +14665,576 @@
             <a:endParaRPr lang="zh-TW" altLang="en-US" sz="2000" b="0" cap="none" spc="0" dirty="0">
               <a:ln w="0"/>
               <a:solidFill>
-                <a:schemeClr val="tx1"/>
+                <a:schemeClr val="bg1">
+                  <a:lumMod val="85000"/>
+                </a:schemeClr>
+              </a:solidFill>
+              <a:effectLst>
+                <a:outerShdw blurRad="38100" dist="19050" dir="2700000" algn="tl" rotWithShape="0">
+                  <a:schemeClr val="dk1">
+                    <a:alpha val="40000"/>
+                  </a:schemeClr>
+                </a:outerShdw>
+              </a:effectLst>
+            </a:endParaRPr>
+          </a:p>
+        </p:txBody>
+      </p:sp>
+      <p:pic>
+        <p:nvPicPr>
+          <p:cNvPr id="52" name="圖片 51">
+            <a:extLst>
+              <a:ext uri="{FF2B5EF4-FFF2-40B4-BE49-F238E27FC236}">
+                <a16:creationId xmlns:a16="http://schemas.microsoft.com/office/drawing/2014/main" id="{B84EF6A0-8EA2-9186-C2CF-9B1157ECB053}"/>
+              </a:ext>
+            </a:extLst>
+          </p:cNvPr>
+          <p:cNvPicPr>
+            <a:picLocks noChangeAspect="1"/>
+          </p:cNvPicPr>
+          <p:nvPr/>
+        </p:nvPicPr>
+        <p:blipFill>
+          <a:blip r:embed="rId19"/>
+          <a:stretch>
+            <a:fillRect/>
+          </a:stretch>
+        </p:blipFill>
+        <p:spPr>
+          <a:xfrm>
+            <a:off x="5605952" y="3390323"/>
+            <a:ext cx="952633" cy="352474"/>
+          </a:xfrm>
+          <a:prstGeom prst="rect">
+            <a:avLst/>
+          </a:prstGeom>
+        </p:spPr>
+      </p:pic>
+      <p:pic>
+        <p:nvPicPr>
+          <p:cNvPr id="55" name="圖片 54">
+            <a:extLst>
+              <a:ext uri="{FF2B5EF4-FFF2-40B4-BE49-F238E27FC236}">
+                <a16:creationId xmlns:a16="http://schemas.microsoft.com/office/drawing/2014/main" id="{2A4ECF15-2987-FF67-3423-A6B2FFE4CA5B}"/>
+              </a:ext>
+            </a:extLst>
+          </p:cNvPr>
+          <p:cNvPicPr>
+            <a:picLocks noChangeAspect="1"/>
+          </p:cNvPicPr>
+          <p:nvPr/>
+        </p:nvPicPr>
+        <p:blipFill>
+          <a:blip r:embed="rId20"/>
+          <a:stretch>
+            <a:fillRect/>
+          </a:stretch>
+        </p:blipFill>
+        <p:spPr>
+          <a:xfrm>
+            <a:off x="2271337" y="3390109"/>
+            <a:ext cx="3353268" cy="724001"/>
+          </a:xfrm>
+          <a:prstGeom prst="rect">
+            <a:avLst/>
+          </a:prstGeom>
+        </p:spPr>
+      </p:pic>
+      <p:pic>
+        <p:nvPicPr>
+          <p:cNvPr id="57" name="圖片 56">
+            <a:extLst>
+              <a:ext uri="{FF2B5EF4-FFF2-40B4-BE49-F238E27FC236}">
+                <a16:creationId xmlns:a16="http://schemas.microsoft.com/office/drawing/2014/main" id="{1AE45F81-0EA0-101F-D074-42D9213B2729}"/>
+              </a:ext>
+            </a:extLst>
+          </p:cNvPr>
+          <p:cNvPicPr>
+            <a:picLocks noChangeAspect="1"/>
+          </p:cNvPicPr>
+          <p:nvPr/>
+        </p:nvPicPr>
+        <p:blipFill>
+          <a:blip r:embed="rId21"/>
+          <a:stretch>
+            <a:fillRect/>
+          </a:stretch>
+        </p:blipFill>
+        <p:spPr>
+          <a:xfrm>
+            <a:off x="7103037" y="4099394"/>
+            <a:ext cx="3976980" cy="360815"/>
+          </a:xfrm>
+          <a:prstGeom prst="rect">
+            <a:avLst/>
+          </a:prstGeom>
+        </p:spPr>
+      </p:pic>
+      <p:cxnSp>
+        <p:nvCxnSpPr>
+          <p:cNvPr id="59" name="直線單箭頭接點 58">
+            <a:extLst>
+              <a:ext uri="{FF2B5EF4-FFF2-40B4-BE49-F238E27FC236}">
+                <a16:creationId xmlns:a16="http://schemas.microsoft.com/office/drawing/2014/main" id="{615896E0-AC01-58C8-8284-DAE259DED94B}"/>
+              </a:ext>
+            </a:extLst>
+          </p:cNvPr>
+          <p:cNvCxnSpPr>
+            <a:cxnSpLocks/>
+            <a:stCxn id="55" idx="2"/>
+          </p:cNvCxnSpPr>
+          <p:nvPr/>
+        </p:nvCxnSpPr>
+        <p:spPr>
+          <a:xfrm>
+            <a:off x="3947971" y="4114110"/>
+            <a:ext cx="0" cy="430037"/>
+          </a:xfrm>
+          <a:prstGeom prst="straightConnector1">
+            <a:avLst/>
+          </a:prstGeom>
+          <a:ln w="50800">
+            <a:tailEnd type="triangle"/>
+          </a:ln>
+        </p:spPr>
+        <p:style>
+          <a:lnRef idx="1">
+            <a:schemeClr val="accent1"/>
+          </a:lnRef>
+          <a:fillRef idx="0">
+            <a:schemeClr val="accent1"/>
+          </a:fillRef>
+          <a:effectRef idx="0">
+            <a:schemeClr val="accent1"/>
+          </a:effectRef>
+          <a:fontRef idx="minor">
+            <a:schemeClr val="tx1"/>
+          </a:fontRef>
+        </p:style>
+      </p:cxnSp>
+      <p:sp>
+        <p:nvSpPr>
+          <p:cNvPr id="61" name="矩形 60">
+            <a:extLst>
+              <a:ext uri="{FF2B5EF4-FFF2-40B4-BE49-F238E27FC236}">
+                <a16:creationId xmlns:a16="http://schemas.microsoft.com/office/drawing/2014/main" id="{59D04155-14F4-0231-9B2B-B082DA442B09}"/>
+              </a:ext>
+            </a:extLst>
+          </p:cNvPr>
+          <p:cNvSpPr/>
+          <p:nvPr/>
+        </p:nvSpPr>
+        <p:spPr>
+          <a:xfrm>
+            <a:off x="4047253" y="4122502"/>
+            <a:ext cx="1289135" cy="400110"/>
+          </a:xfrm>
+          <a:prstGeom prst="rect">
+            <a:avLst/>
+          </a:prstGeom>
+          <a:noFill/>
+        </p:spPr>
+        <p:txBody>
+          <a:bodyPr wrap="none" lIns="91440" tIns="45720" rIns="91440" bIns="45720">
+            <a:spAutoFit/>
+          </a:bodyPr>
+          <a:lstStyle/>
+          <a:p>
+            <a:pPr algn="ctr"/>
+            <a:r>
+              <a:rPr lang="en-US" altLang="zh-TW" sz="2000" b="0" cap="none" spc="0" dirty="0">
+                <a:ln w="0"/>
+                <a:solidFill>
+                  <a:schemeClr val="bg1">
+                    <a:lumMod val="85000"/>
+                  </a:schemeClr>
+                </a:solidFill>
+                <a:effectLst>
+                  <a:outerShdw blurRad="38100" dist="19050" dir="2700000" algn="tl" rotWithShape="0">
+                    <a:schemeClr val="dk1">
+                      <a:alpha val="40000"/>
+                    </a:schemeClr>
+                  </a:outerShdw>
+                </a:effectLst>
+              </a:rPr>
+              <a:t>+5 loop…</a:t>
+            </a:r>
+            <a:endParaRPr lang="zh-TW" altLang="en-US" sz="2000" b="0" cap="none" spc="0" dirty="0">
+              <a:ln w="0"/>
+              <a:solidFill>
+                <a:schemeClr val="bg1">
+                  <a:lumMod val="85000"/>
+                </a:schemeClr>
+              </a:solidFill>
+              <a:effectLst>
+                <a:outerShdw blurRad="38100" dist="19050" dir="2700000" algn="tl" rotWithShape="0">
+                  <a:schemeClr val="dk1">
+                    <a:alpha val="40000"/>
+                  </a:schemeClr>
+                </a:outerShdw>
+              </a:effectLst>
+            </a:endParaRPr>
+          </a:p>
+        </p:txBody>
+      </p:sp>
+      <p:pic>
+        <p:nvPicPr>
+          <p:cNvPr id="63" name="圖片 62">
+            <a:extLst>
+              <a:ext uri="{FF2B5EF4-FFF2-40B4-BE49-F238E27FC236}">
+                <a16:creationId xmlns:a16="http://schemas.microsoft.com/office/drawing/2014/main" id="{B24BAC53-24FB-1E8B-4A95-7F4308BD7618}"/>
+              </a:ext>
+            </a:extLst>
+          </p:cNvPr>
+          <p:cNvPicPr>
+            <a:picLocks noChangeAspect="1"/>
+          </p:cNvPicPr>
+          <p:nvPr/>
+        </p:nvPicPr>
+        <p:blipFill>
+          <a:blip r:embed="rId22"/>
+          <a:stretch>
+            <a:fillRect/>
+          </a:stretch>
+        </p:blipFill>
+        <p:spPr>
+          <a:xfrm>
+            <a:off x="2266574" y="4604058"/>
+            <a:ext cx="3391373" cy="695422"/>
+          </a:xfrm>
+          <a:prstGeom prst="rect">
+            <a:avLst/>
+          </a:prstGeom>
+        </p:spPr>
+      </p:pic>
+      <p:pic>
+        <p:nvPicPr>
+          <p:cNvPr id="65" name="圖片 64">
+            <a:extLst>
+              <a:ext uri="{FF2B5EF4-FFF2-40B4-BE49-F238E27FC236}">
+                <a16:creationId xmlns:a16="http://schemas.microsoft.com/office/drawing/2014/main" id="{7A8E4AEA-25AD-B80B-9C7E-1DEAD775778A}"/>
+              </a:ext>
+            </a:extLst>
+          </p:cNvPr>
+          <p:cNvPicPr>
+            <a:picLocks noChangeAspect="1"/>
+          </p:cNvPicPr>
+          <p:nvPr/>
+        </p:nvPicPr>
+        <p:blipFill>
+          <a:blip r:embed="rId23"/>
+          <a:stretch>
+            <a:fillRect/>
+          </a:stretch>
+        </p:blipFill>
+        <p:spPr>
+          <a:xfrm>
+            <a:off x="5657947" y="4599294"/>
+            <a:ext cx="955392" cy="352475"/>
+          </a:xfrm>
+          <a:prstGeom prst="rect">
+            <a:avLst/>
+          </a:prstGeom>
+        </p:spPr>
+      </p:pic>
+      <p:pic>
+        <p:nvPicPr>
+          <p:cNvPr id="69" name="圖片 68">
+            <a:extLst>
+              <a:ext uri="{FF2B5EF4-FFF2-40B4-BE49-F238E27FC236}">
+                <a16:creationId xmlns:a16="http://schemas.microsoft.com/office/drawing/2014/main" id="{A2F55A40-4624-09A3-73A9-8C40BCF396FF}"/>
+              </a:ext>
+            </a:extLst>
+          </p:cNvPr>
+          <p:cNvPicPr>
+            <a:picLocks noChangeAspect="1"/>
+          </p:cNvPicPr>
+          <p:nvPr/>
+        </p:nvPicPr>
+        <p:blipFill>
+          <a:blip r:embed="rId24"/>
+          <a:stretch>
+            <a:fillRect/>
+          </a:stretch>
+        </p:blipFill>
+        <p:spPr>
+          <a:xfrm>
+            <a:off x="5625120" y="5400644"/>
+            <a:ext cx="990738" cy="381053"/>
+          </a:xfrm>
+          <a:prstGeom prst="rect">
+            <a:avLst/>
+          </a:prstGeom>
+        </p:spPr>
+      </p:pic>
+      <p:pic>
+        <p:nvPicPr>
+          <p:cNvPr id="71" name="圖片 70">
+            <a:extLst>
+              <a:ext uri="{FF2B5EF4-FFF2-40B4-BE49-F238E27FC236}">
+                <a16:creationId xmlns:a16="http://schemas.microsoft.com/office/drawing/2014/main" id="{EA7871C4-122F-CE78-E1F4-891DD6361F54}"/>
+              </a:ext>
+            </a:extLst>
+          </p:cNvPr>
+          <p:cNvPicPr>
+            <a:picLocks noChangeAspect="1"/>
+          </p:cNvPicPr>
+          <p:nvPr/>
+        </p:nvPicPr>
+        <p:blipFill>
+          <a:blip r:embed="rId25"/>
+          <a:stretch>
+            <a:fillRect/>
+          </a:stretch>
+        </p:blipFill>
+        <p:spPr>
+          <a:xfrm>
+            <a:off x="7100790" y="3279501"/>
+            <a:ext cx="3984532" cy="380234"/>
+          </a:xfrm>
+          <a:prstGeom prst="rect">
+            <a:avLst/>
+          </a:prstGeom>
+        </p:spPr>
+      </p:pic>
+      <p:pic>
+        <p:nvPicPr>
+          <p:cNvPr id="73" name="圖片 72">
+            <a:extLst>
+              <a:ext uri="{FF2B5EF4-FFF2-40B4-BE49-F238E27FC236}">
+                <a16:creationId xmlns:a16="http://schemas.microsoft.com/office/drawing/2014/main" id="{2870CD45-2023-6AC4-D52F-6E073963D18D}"/>
+              </a:ext>
+            </a:extLst>
+          </p:cNvPr>
+          <p:cNvPicPr>
+            <a:picLocks noChangeAspect="1"/>
+          </p:cNvPicPr>
+          <p:nvPr/>
+        </p:nvPicPr>
+        <p:blipFill>
+          <a:blip r:embed="rId26"/>
+          <a:stretch>
+            <a:fillRect/>
+          </a:stretch>
+        </p:blipFill>
+        <p:spPr>
+          <a:xfrm>
+            <a:off x="2271337" y="5400644"/>
+            <a:ext cx="3353268" cy="685896"/>
+          </a:xfrm>
+          <a:prstGeom prst="rect">
+            <a:avLst/>
+          </a:prstGeom>
+        </p:spPr>
+      </p:pic>
+      <p:cxnSp>
+        <p:nvCxnSpPr>
+          <p:cNvPr id="76" name="直線接點 75">
+            <a:extLst>
+              <a:ext uri="{FF2B5EF4-FFF2-40B4-BE49-F238E27FC236}">
+                <a16:creationId xmlns:a16="http://schemas.microsoft.com/office/drawing/2014/main" id="{09E5E795-95D6-43E5-0BC5-024683903950}"/>
+              </a:ext>
+            </a:extLst>
+          </p:cNvPr>
+          <p:cNvCxnSpPr/>
+          <p:nvPr/>
+        </p:nvCxnSpPr>
+        <p:spPr>
+          <a:xfrm>
+            <a:off x="2257962" y="1488013"/>
+            <a:ext cx="9105220" cy="0"/>
+          </a:xfrm>
+          <a:prstGeom prst="line">
+            <a:avLst/>
+          </a:prstGeom>
+          <a:ln w="22225">
+            <a:solidFill>
+              <a:schemeClr val="tx1">
+                <a:lumMod val="65000"/>
+                <a:lumOff val="35000"/>
+              </a:schemeClr>
+            </a:solidFill>
+          </a:ln>
+        </p:spPr>
+        <p:style>
+          <a:lnRef idx="1">
+            <a:schemeClr val="accent1"/>
+          </a:lnRef>
+          <a:fillRef idx="0">
+            <a:schemeClr val="accent1"/>
+          </a:fillRef>
+          <a:effectRef idx="0">
+            <a:schemeClr val="accent1"/>
+          </a:effectRef>
+          <a:fontRef idx="minor">
+            <a:schemeClr val="tx1"/>
+          </a:fontRef>
+        </p:style>
+      </p:cxnSp>
+      <p:cxnSp>
+        <p:nvCxnSpPr>
+          <p:cNvPr id="77" name="直線接點 76">
+            <a:extLst>
+              <a:ext uri="{FF2B5EF4-FFF2-40B4-BE49-F238E27FC236}">
+                <a16:creationId xmlns:a16="http://schemas.microsoft.com/office/drawing/2014/main" id="{6D3A4C18-0641-375D-C665-AC86EDD2DACC}"/>
+              </a:ext>
+            </a:extLst>
+          </p:cNvPr>
+          <p:cNvCxnSpPr>
+            <a:cxnSpLocks/>
+          </p:cNvCxnSpPr>
+          <p:nvPr/>
+        </p:nvCxnSpPr>
+        <p:spPr>
+          <a:xfrm>
+            <a:off x="6794500" y="1688066"/>
+            <a:ext cx="0" cy="4531398"/>
+          </a:xfrm>
+          <a:prstGeom prst="line">
+            <a:avLst/>
+          </a:prstGeom>
+          <a:ln w="22225">
+            <a:solidFill>
+              <a:schemeClr val="tx1">
+                <a:lumMod val="65000"/>
+                <a:lumOff val="35000"/>
+              </a:schemeClr>
+            </a:solidFill>
+          </a:ln>
+        </p:spPr>
+        <p:style>
+          <a:lnRef idx="1">
+            <a:schemeClr val="accent1"/>
+          </a:lnRef>
+          <a:fillRef idx="0">
+            <a:schemeClr val="accent1"/>
+          </a:fillRef>
+          <a:effectRef idx="0">
+            <a:schemeClr val="accent1"/>
+          </a:effectRef>
+          <a:fontRef idx="minor">
+            <a:schemeClr val="tx1"/>
+          </a:fontRef>
+        </p:style>
+      </p:cxnSp>
+      <p:sp>
+        <p:nvSpPr>
+          <p:cNvPr id="80" name="矩形 79">
+            <a:extLst>
+              <a:ext uri="{FF2B5EF4-FFF2-40B4-BE49-F238E27FC236}">
+                <a16:creationId xmlns:a16="http://schemas.microsoft.com/office/drawing/2014/main" id="{2AFB0057-E309-7DCF-D9DA-8432B2DF7D40}"/>
+              </a:ext>
+            </a:extLst>
+          </p:cNvPr>
+          <p:cNvSpPr/>
+          <p:nvPr/>
+        </p:nvSpPr>
+        <p:spPr>
+          <a:xfrm>
+            <a:off x="2388773" y="110548"/>
+            <a:ext cx="997389" cy="400110"/>
+          </a:xfrm>
+          <a:prstGeom prst="rect">
+            <a:avLst/>
+          </a:prstGeom>
+          <a:noFill/>
+        </p:spPr>
+        <p:txBody>
+          <a:bodyPr wrap="none" lIns="91440" tIns="45720" rIns="91440" bIns="45720">
+            <a:spAutoFit/>
+          </a:bodyPr>
+          <a:lstStyle/>
+          <a:p>
+            <a:pPr algn="ctr"/>
+            <a:r>
+              <a:rPr lang="en-US" altLang="zh-TW" sz="2000" b="0" cap="none" spc="0" dirty="0">
+                <a:ln w="0"/>
+                <a:solidFill>
+                  <a:schemeClr val="bg1">
+                    <a:lumMod val="85000"/>
+                  </a:schemeClr>
+                </a:solidFill>
+                <a:effectLst>
+                  <a:outerShdw blurRad="38100" dist="19050" dir="2700000" algn="tl" rotWithShape="0">
+                    <a:schemeClr val="dk1">
+                      <a:alpha val="40000"/>
+                    </a:schemeClr>
+                  </a:outerShdw>
+                </a:effectLst>
+              </a:rPr>
+              <a:t>Default</a:t>
+            </a:r>
+            <a:endParaRPr lang="zh-TW" altLang="en-US" sz="2000" b="0" cap="none" spc="0" dirty="0">
+              <a:ln w="0"/>
+              <a:solidFill>
+                <a:schemeClr val="bg1">
+                  <a:lumMod val="85000"/>
+                </a:schemeClr>
+              </a:solidFill>
+              <a:effectLst>
+                <a:outerShdw blurRad="38100" dist="19050" dir="2700000" algn="tl" rotWithShape="0">
+                  <a:schemeClr val="dk1">
+                    <a:alpha val="40000"/>
+                  </a:schemeClr>
+                </a:outerShdw>
+              </a:effectLst>
+            </a:endParaRPr>
+          </a:p>
+        </p:txBody>
+      </p:sp>
+      <p:sp>
+        <p:nvSpPr>
+          <p:cNvPr id="81" name="矩形 80">
+            <a:extLst>
+              <a:ext uri="{FF2B5EF4-FFF2-40B4-BE49-F238E27FC236}">
+                <a16:creationId xmlns:a16="http://schemas.microsoft.com/office/drawing/2014/main" id="{3C82A79B-852E-F791-94D7-A7B4074482EF}"/>
+              </a:ext>
+            </a:extLst>
+          </p:cNvPr>
+          <p:cNvSpPr/>
+          <p:nvPr/>
+        </p:nvSpPr>
+        <p:spPr>
+          <a:xfrm>
+            <a:off x="6958651" y="1736726"/>
+            <a:ext cx="1654620" cy="400110"/>
+          </a:xfrm>
+          <a:prstGeom prst="rect">
+            <a:avLst/>
+          </a:prstGeom>
+          <a:noFill/>
+        </p:spPr>
+        <p:txBody>
+          <a:bodyPr wrap="none" lIns="91440" tIns="45720" rIns="91440" bIns="45720">
+            <a:spAutoFit/>
+          </a:bodyPr>
+          <a:lstStyle/>
+          <a:p>
+            <a:pPr algn="ctr"/>
+            <a:r>
+              <a:rPr lang="en-US" altLang="zh-TW" sz="2000" b="0" cap="none" spc="0" dirty="0">
+                <a:ln w="0"/>
+                <a:solidFill>
+                  <a:schemeClr val="bg1">
+                    <a:lumMod val="85000"/>
+                  </a:schemeClr>
+                </a:solidFill>
+                <a:effectLst>
+                  <a:outerShdw blurRad="38100" dist="19050" dir="2700000" algn="tl" rotWithShape="0">
+                    <a:schemeClr val="dk1">
+                      <a:alpha val="40000"/>
+                    </a:schemeClr>
+                  </a:outerShdw>
+                </a:effectLst>
+              </a:rPr>
+              <a:t>Flag Change</a:t>
+            </a:r>
+            <a:endParaRPr lang="zh-TW" altLang="en-US" sz="2000" b="0" cap="none" spc="0" dirty="0">
+              <a:ln w="0"/>
+              <a:solidFill>
+                <a:schemeClr val="bg1">
+                  <a:lumMod val="85000"/>
+                </a:schemeClr>
               </a:solidFill>
               <a:effectLst>
                 <a:outerShdw blurRad="38100" dist="19050" dir="2700000" algn="tl" rotWithShape="0">
